--- a/ppt/codegendev-merit-oss.pptx
+++ b/ppt/codegendev-merit-oss.pptx
@@ -6,8 +6,10 @@
   </p:sldMasterIdLst>
   <p:sldIdLst>
     <p:sldId id="256" r:id="rId2"/>
-    <p:sldId id="260" r:id="rId3"/>
-    <p:sldId id="259" r:id="rId4"/>
+    <p:sldId id="262" r:id="rId3"/>
+    <p:sldId id="261" r:id="rId4"/>
+    <p:sldId id="260" r:id="rId5"/>
+    <p:sldId id="259" r:id="rId6"/>
   </p:sldIdLst>
   <p:sldSz cx="12192000" cy="6858000"/>
   <p:notesSz cx="6858000" cy="9144000"/>
@@ -6249,13 +6251,25 @@
         <p:spPr/>
         <p:txBody>
           <a:bodyPr>
-            <a:normAutofit/>
+            <a:normAutofit fontScale="90000"/>
           </a:bodyPr>
           <a:lstStyle/>
           <a:p>
             <a:r>
               <a:rPr kumimoji="1" lang="ja-JP" altLang="en-US" sz="4400" dirty="0" smtClean="0"/>
-              <a:t>そもそも</a:t>
+              <a:t>ソースコード自動生成が流行らないのは</a:t>
+            </a:r>
+            <a:r>
+              <a:rPr kumimoji="1" lang="en-US" altLang="ja-JP" sz="4400" dirty="0" smtClean="0"/>
+              <a:t>【</a:t>
+            </a:r>
+            <a:r>
+              <a:rPr kumimoji="1" lang="ja-JP" altLang="en-US" sz="4400" dirty="0" smtClean="0"/>
+              <a:t>超私見</a:t>
+            </a:r>
+            <a:r>
+              <a:rPr kumimoji="1" lang="en-US" altLang="ja-JP" sz="4400" dirty="0" smtClean="0"/>
+              <a:t>】</a:t>
             </a:r>
             <a:endParaRPr kumimoji="1" lang="ja-JP" altLang="en-US" sz="4400" dirty="0"/>
           </a:p>
@@ -6285,8 +6299,351 @@
           <a:p>
             <a:r>
               <a:rPr lang="ja-JP" altLang="en-US" sz="3200" dirty="0" smtClean="0"/>
-              <a:t>ソースコードを生成することとは</a:t>
-            </a:r>
+              <a:t>使うメリットが感じられにくいから</a:t>
+            </a:r>
+            <a:r>
+              <a:rPr lang="en-US" altLang="ja-JP" sz="3200" dirty="0" smtClean="0"/>
+              <a:t>?</a:t>
+            </a:r>
+          </a:p>
+          <a:p>
+            <a:r>
+              <a:rPr lang="ja-JP" altLang="en-US" sz="3200" dirty="0"/>
+              <a:t>複雑</a:t>
+            </a:r>
+            <a:r>
+              <a:rPr lang="ja-JP" altLang="en-US" sz="3200" dirty="0" smtClean="0"/>
+              <a:t>だったり、難しかったりするから</a:t>
+            </a:r>
+            <a:r>
+              <a:rPr lang="en-US" altLang="ja-JP" sz="3200" dirty="0" smtClean="0"/>
+              <a:t>?</a:t>
+            </a:r>
+          </a:p>
+          <a:p>
+            <a:r>
+              <a:rPr lang="ja-JP" altLang="en-US" sz="3200" dirty="0" smtClean="0"/>
+              <a:t>初期稼働が 多く必要だから</a:t>
+            </a:r>
+            <a:r>
+              <a:rPr lang="en-US" altLang="ja-JP" sz="3200" dirty="0" smtClean="0"/>
+              <a:t>?</a:t>
+            </a:r>
+          </a:p>
+          <a:p>
+            <a:r>
+              <a:rPr lang="ja-JP" altLang="en-US" sz="3200" dirty="0"/>
+              <a:t>次</a:t>
+            </a:r>
+            <a:r>
+              <a:rPr lang="ja-JP" altLang="en-US" sz="3200" dirty="0" smtClean="0"/>
+              <a:t>も使おうとする動機が得られないから</a:t>
+            </a:r>
+            <a:r>
+              <a:rPr lang="en-US" altLang="ja-JP" sz="3200" dirty="0" smtClean="0"/>
+              <a:t>?</a:t>
+            </a:r>
+          </a:p>
+          <a:p>
+            <a:endParaRPr lang="en-US" altLang="ja-JP" sz="3200" dirty="0" smtClean="0"/>
+          </a:p>
+          <a:p>
+            <a:r>
+              <a:rPr lang="ja-JP" altLang="en-US" sz="3200" dirty="0" smtClean="0"/>
+              <a:t>自由が足りないから</a:t>
+            </a:r>
+            <a:r>
+              <a:rPr lang="en-US" altLang="ja-JP" sz="3200" dirty="0" smtClean="0"/>
+              <a:t>?</a:t>
+            </a:r>
+          </a:p>
+          <a:p>
+            <a:endParaRPr lang="en-US" altLang="ja-JP" sz="3200" dirty="0" smtClean="0"/>
+          </a:p>
+        </p:txBody>
+      </p:sp>
+    </p:spTree>
+    <p:extLst>
+      <p:ext uri="{BB962C8B-B14F-4D97-AF65-F5344CB8AC3E}">
+        <p14:creationId xmlns:p14="http://schemas.microsoft.com/office/powerpoint/2010/main" val="1270210805"/>
+      </p:ext>
+    </p:extLst>
+  </p:cSld>
+  <p:clrMapOvr>
+    <a:masterClrMapping/>
+  </p:clrMapOvr>
+</p:sld>
+</file>
+
+<file path=ppt/slides/slide3.xml><?xml version="1.0" encoding="utf-8"?>
+<p:sld xmlns:a="http://schemas.openxmlformats.org/drawingml/2006/main" xmlns:r="http://schemas.openxmlformats.org/officeDocument/2006/relationships" xmlns:p="http://schemas.openxmlformats.org/presentationml/2006/main">
+  <p:cSld>
+    <p:spTree>
+      <p:nvGrpSpPr>
+        <p:cNvPr id="1" name=""/>
+        <p:cNvGrpSpPr/>
+        <p:nvPr/>
+      </p:nvGrpSpPr>
+      <p:grpSpPr>
+        <a:xfrm>
+          <a:off x="0" y="0"/>
+          <a:ext cx="0" cy="0"/>
+          <a:chOff x="0" y="0"/>
+          <a:chExt cx="0" cy="0"/>
+        </a:xfrm>
+      </p:grpSpPr>
+      <p:sp>
+        <p:nvSpPr>
+          <p:cNvPr id="2" name="タイトル 1"/>
+          <p:cNvSpPr>
+            <a:spLocks noGrp="1"/>
+          </p:cNvSpPr>
+          <p:nvPr>
+            <p:ph type="title"/>
+          </p:nvPr>
+        </p:nvSpPr>
+        <p:spPr/>
+        <p:txBody>
+          <a:bodyPr>
+            <a:normAutofit fontScale="90000"/>
+          </a:bodyPr>
+          <a:lstStyle/>
+          <a:p>
+            <a:r>
+              <a:rPr kumimoji="1" lang="ja-JP" altLang="en-US" sz="4400" dirty="0" smtClean="0"/>
+              <a:t>ソースコード自動生成にこそ</a:t>
+            </a:r>
+            <a:r>
+              <a:rPr kumimoji="1" lang="en-US" altLang="ja-JP" sz="4400" dirty="0" smtClean="0"/>
+              <a:t/>
+            </a:r>
+            <a:br>
+              <a:rPr kumimoji="1" lang="en-US" altLang="ja-JP" sz="4400" dirty="0" smtClean="0"/>
+            </a:br>
+            <a:r>
+              <a:rPr kumimoji="1" lang="ja-JP" altLang="en-US" sz="4400" dirty="0" smtClean="0"/>
+              <a:t>自由が必要</a:t>
+            </a:r>
+            <a:r>
+              <a:rPr kumimoji="1" lang="en-US" altLang="ja-JP" sz="4400" dirty="0" smtClean="0"/>
+              <a:t>【</a:t>
+            </a:r>
+            <a:r>
+              <a:rPr lang="ja-JP" altLang="en-US" sz="4400" dirty="0"/>
+              <a:t>主張</a:t>
+            </a:r>
+            <a:r>
+              <a:rPr kumimoji="1" lang="en-US" altLang="ja-JP" sz="4400" dirty="0" smtClean="0"/>
+              <a:t>】</a:t>
+            </a:r>
+            <a:endParaRPr kumimoji="1" lang="ja-JP" altLang="en-US" sz="4400" dirty="0"/>
+          </a:p>
+        </p:txBody>
+      </p:sp>
+      <p:sp>
+        <p:nvSpPr>
+          <p:cNvPr id="3" name="コンテンツ プレースホルダー 2"/>
+          <p:cNvSpPr>
+            <a:spLocks noGrp="1"/>
+          </p:cNvSpPr>
+          <p:nvPr>
+            <p:ph idx="1"/>
+          </p:nvPr>
+        </p:nvSpPr>
+        <p:spPr>
+          <a:xfrm>
+            <a:off x="677334" y="2160589"/>
+            <a:ext cx="8596668" cy="4576761"/>
+          </a:xfrm>
+        </p:spPr>
+        <p:txBody>
+          <a:bodyPr>
+            <a:normAutofit/>
+          </a:bodyPr>
+          <a:lstStyle/>
+          <a:p>
+            <a:r>
+              <a:rPr lang="ja-JP" altLang="en-US" sz="3200" dirty="0" smtClean="0"/>
+              <a:t>すぐに投入</a:t>
+            </a:r>
+            <a:endParaRPr lang="en-US" altLang="ja-JP" sz="3200" dirty="0" smtClean="0"/>
+          </a:p>
+          <a:p>
+            <a:r>
+              <a:rPr lang="ja-JP" altLang="en-US" sz="3200" dirty="0" smtClean="0"/>
+              <a:t>すぐに変更</a:t>
+            </a:r>
+            <a:endParaRPr lang="en-US" altLang="ja-JP" sz="3200" dirty="0" smtClean="0"/>
+          </a:p>
+          <a:p>
+            <a:r>
+              <a:rPr lang="ja-JP" altLang="en-US" sz="3200" dirty="0"/>
+              <a:t>自由</a:t>
+            </a:r>
+            <a:r>
+              <a:rPr lang="ja-JP" altLang="en-US" sz="3200" dirty="0" smtClean="0"/>
+              <a:t>に改変</a:t>
+            </a:r>
+            <a:endParaRPr lang="en-US" altLang="ja-JP" sz="3200" dirty="0" smtClean="0"/>
+          </a:p>
+          <a:p>
+            <a:r>
+              <a:rPr lang="ja-JP" altLang="en-US" sz="3200" dirty="0"/>
+              <a:t>自由</a:t>
+            </a:r>
+            <a:r>
+              <a:rPr lang="ja-JP" altLang="en-US" sz="3200" dirty="0" smtClean="0"/>
+              <a:t>に横展開</a:t>
+            </a:r>
+            <a:endParaRPr lang="en-US" altLang="ja-JP" sz="3200" dirty="0" smtClean="0"/>
+          </a:p>
+          <a:p>
+            <a:r>
+              <a:rPr lang="ja-JP" altLang="en-US" sz="3200" dirty="0" smtClean="0"/>
+              <a:t>あとで別のところで使える</a:t>
+            </a:r>
+            <a:endParaRPr lang="en-US" altLang="ja-JP" sz="3200" dirty="0" smtClean="0"/>
+          </a:p>
+          <a:p>
+            <a:endParaRPr kumimoji="1" lang="en-US" altLang="ja-JP" sz="3200" dirty="0" smtClean="0"/>
+          </a:p>
+        </p:txBody>
+      </p:sp>
+    </p:spTree>
+    <p:extLst>
+      <p:ext uri="{BB962C8B-B14F-4D97-AF65-F5344CB8AC3E}">
+        <p14:creationId xmlns:p14="http://schemas.microsoft.com/office/powerpoint/2010/main" val="3692237872"/>
+      </p:ext>
+    </p:extLst>
+  </p:cSld>
+  <p:clrMapOvr>
+    <a:masterClrMapping/>
+  </p:clrMapOvr>
+</p:sld>
+</file>
+
+<file path=ppt/slides/slide4.xml><?xml version="1.0" encoding="utf-8"?>
+<p:sld xmlns:a="http://schemas.openxmlformats.org/drawingml/2006/main" xmlns:r="http://schemas.openxmlformats.org/officeDocument/2006/relationships" xmlns:p="http://schemas.openxmlformats.org/presentationml/2006/main">
+  <p:cSld>
+    <p:spTree>
+      <p:nvGrpSpPr>
+        <p:cNvPr id="1" name=""/>
+        <p:cNvGrpSpPr/>
+        <p:nvPr/>
+      </p:nvGrpSpPr>
+      <p:grpSpPr>
+        <a:xfrm>
+          <a:off x="0" y="0"/>
+          <a:ext cx="0" cy="0"/>
+          <a:chOff x="0" y="0"/>
+          <a:chExt cx="0" cy="0"/>
+        </a:xfrm>
+      </p:grpSpPr>
+      <p:sp>
+        <p:nvSpPr>
+          <p:cNvPr id="2" name="タイトル 1"/>
+          <p:cNvSpPr>
+            <a:spLocks noGrp="1"/>
+          </p:cNvSpPr>
+          <p:nvPr>
+            <p:ph type="title"/>
+          </p:nvPr>
+        </p:nvSpPr>
+        <p:spPr/>
+        <p:txBody>
+          <a:bodyPr>
+            <a:normAutofit/>
+          </a:bodyPr>
+          <a:lstStyle/>
+          <a:p>
+            <a:r>
+              <a:rPr kumimoji="1" lang="en-US" altLang="ja-JP" sz="4400" dirty="0" smtClean="0"/>
+              <a:t>OSS</a:t>
+            </a:r>
+            <a:r>
+              <a:rPr kumimoji="1" lang="ja-JP" altLang="en-US" sz="4400" dirty="0" smtClean="0"/>
+              <a:t>であれば</a:t>
+            </a:r>
+            <a:endParaRPr kumimoji="1" lang="ja-JP" altLang="en-US" sz="4400" dirty="0"/>
+          </a:p>
+        </p:txBody>
+      </p:sp>
+      <p:sp>
+        <p:nvSpPr>
+          <p:cNvPr id="3" name="コンテンツ プレースホルダー 2"/>
+          <p:cNvSpPr>
+            <a:spLocks noGrp="1"/>
+          </p:cNvSpPr>
+          <p:nvPr>
+            <p:ph idx="1"/>
+          </p:nvPr>
+        </p:nvSpPr>
+        <p:spPr>
+          <a:xfrm>
+            <a:off x="677334" y="2160589"/>
+            <a:ext cx="8596668" cy="4576761"/>
+          </a:xfrm>
+        </p:spPr>
+        <p:txBody>
+          <a:bodyPr>
+            <a:normAutofit/>
+          </a:bodyPr>
+          <a:lstStyle/>
+          <a:p>
+            <a:r>
+              <a:rPr lang="ja-JP" altLang="en-US" sz="3200" dirty="0" smtClean="0"/>
+              <a:t>商用と同じものが提供されたとして</a:t>
+            </a:r>
+            <a:r>
+              <a:rPr lang="en-US" altLang="ja-JP" sz="3200" dirty="0" smtClean="0"/>
+              <a:t>…</a:t>
+            </a:r>
+          </a:p>
+          <a:p>
+            <a:endParaRPr lang="en-US" altLang="ja-JP" sz="3200" dirty="0" smtClean="0"/>
+          </a:p>
+          <a:p>
+            <a:r>
+              <a:rPr lang="ja-JP" altLang="en-US" sz="3200" dirty="0" smtClean="0"/>
+              <a:t>すぐに投入、すぐに変更、自由に改変</a:t>
+            </a:r>
+            <a:endParaRPr lang="en-US" altLang="ja-JP" sz="3200" dirty="0" smtClean="0"/>
+          </a:p>
+          <a:p>
+            <a:r>
+              <a:rPr lang="ja-JP" altLang="en-US" sz="3200" dirty="0" smtClean="0"/>
+              <a:t>万一、提供が</a:t>
+            </a:r>
+            <a:r>
+              <a:rPr lang="ja-JP" altLang="en-US" sz="3200" dirty="0"/>
+              <a:t>停止</a:t>
+            </a:r>
+            <a:r>
+              <a:rPr lang="ja-JP" altLang="en-US" sz="3200" dirty="0" smtClean="0"/>
+              <a:t>しても、自力で修正</a:t>
+            </a:r>
+            <a:r>
+              <a:rPr lang="ja-JP" altLang="en-US" sz="3200" dirty="0"/>
+              <a:t>可能</a:t>
+            </a:r>
+            <a:endParaRPr lang="en-US" altLang="ja-JP" sz="3200" dirty="0" smtClean="0"/>
+          </a:p>
+          <a:p>
+            <a:r>
+              <a:rPr lang="en-US" altLang="ja-JP" sz="3200" dirty="0" err="1" smtClean="0"/>
+              <a:t>github</a:t>
+            </a:r>
+            <a:r>
+              <a:rPr lang="en-US" altLang="ja-JP" sz="3200" dirty="0" smtClean="0"/>
+              <a:t>, Maven </a:t>
+            </a:r>
+            <a:r>
+              <a:rPr lang="ja-JP" altLang="en-US" sz="3200" smtClean="0"/>
+              <a:t>などから供給が吉</a:t>
+            </a:r>
+            <a:endParaRPr lang="en-US" altLang="ja-JP" sz="3200" dirty="0" smtClean="0"/>
+          </a:p>
+          <a:p>
             <a:endParaRPr kumimoji="1" lang="en-US" altLang="ja-JP" sz="3200" dirty="0" smtClean="0"/>
           </a:p>
         </p:txBody>
@@ -6304,7 +6661,7 @@
 </p:sld>
 </file>
 
-<file path=ppt/slides/slide3.xml><?xml version="1.0" encoding="utf-8"?>
+<file path=ppt/slides/slide5.xml><?xml version="1.0" encoding="utf-8"?>
 <p:sld xmlns:a="http://schemas.openxmlformats.org/drawingml/2006/main" xmlns:r="http://schemas.openxmlformats.org/officeDocument/2006/relationships" xmlns:p="http://schemas.openxmlformats.org/presentationml/2006/main">
   <p:cSld>
     <p:spTree>
